--- a/week3/Day3 - good_science.pptx
+++ b/week3/Day3 - good_science.pptx
@@ -129,6 +129,11 @@
       </a:defRPr>
     </a:lvl9pPr>
   </p:defaultTextStyle>
+  <p:extLst>
+    <p:ext uri="{EFAFB233-063F-42B5-8137-9DF3F51BA10A}">
+      <p15:sldGuideLst xmlns:p15="http://schemas.microsoft.com/office/powerpoint/2012/main"/>
+    </p:ext>
+  </p:extLst>
 </p:presentation>
 </file>
 
@@ -177,7 +182,6 @@
               <a:rPr lang="en-US"/>
               <a:t>Click to edit Master title style</a:t>
             </a:r>
-            <a:endParaRPr lang="en-US"/>
           </a:p>
         </p:txBody>
       </p:sp>
@@ -242,7 +246,6 @@
               <a:rPr lang="en-US"/>
               <a:t>Click to edit Master subtitle style</a:t>
             </a:r>
-            <a:endParaRPr lang="en-US"/>
           </a:p>
         </p:txBody>
       </p:sp>
@@ -263,7 +266,7 @@
           <a:p>
             <a:fld id="{449F566A-FC01-4521-96C7-0F319CAC9956}" type="datetimeFigureOut">
               <a:rPr lang="en-US" smtClean="0"/>
-              <a:t>6/27/2017</a:t>
+              <a:t>6/30/2017</a:t>
             </a:fld>
             <a:endParaRPr lang="en-US"/>
           </a:p>
@@ -360,7 +363,6 @@
               <a:rPr lang="en-US"/>
               <a:t>Click to edit Master title style</a:t>
             </a:r>
-            <a:endParaRPr lang="en-US"/>
           </a:p>
         </p:txBody>
       </p:sp>
@@ -412,7 +414,6 @@
               <a:rPr lang="en-US"/>
               <a:t>Fifth level</a:t>
             </a:r>
-            <a:endParaRPr lang="en-US"/>
           </a:p>
         </p:txBody>
       </p:sp>
@@ -433,7 +434,7 @@
           <a:p>
             <a:fld id="{449F566A-FC01-4521-96C7-0F319CAC9956}" type="datetimeFigureOut">
               <a:rPr lang="en-US" smtClean="0"/>
-              <a:t>6/27/2017</a:t>
+              <a:t>6/30/2017</a:t>
             </a:fld>
             <a:endParaRPr lang="en-US"/>
           </a:p>
@@ -535,7 +536,6 @@
               <a:rPr lang="en-US"/>
               <a:t>Click to edit Master title style</a:t>
             </a:r>
-            <a:endParaRPr lang="en-US"/>
           </a:p>
         </p:txBody>
       </p:sp>
@@ -592,7 +592,6 @@
               <a:rPr lang="en-US"/>
               <a:t>Fifth level</a:t>
             </a:r>
-            <a:endParaRPr lang="en-US"/>
           </a:p>
         </p:txBody>
       </p:sp>
@@ -613,7 +612,7 @@
           <a:p>
             <a:fld id="{449F566A-FC01-4521-96C7-0F319CAC9956}" type="datetimeFigureOut">
               <a:rPr lang="en-US" smtClean="0"/>
-              <a:t>6/27/2017</a:t>
+              <a:t>6/30/2017</a:t>
             </a:fld>
             <a:endParaRPr lang="en-US"/>
           </a:p>
@@ -710,7 +709,6 @@
               <a:rPr lang="en-US"/>
               <a:t>Click to edit Master title style</a:t>
             </a:r>
-            <a:endParaRPr lang="en-US"/>
           </a:p>
         </p:txBody>
       </p:sp>
@@ -762,7 +760,6 @@
               <a:rPr lang="en-US"/>
               <a:t>Fifth level</a:t>
             </a:r>
-            <a:endParaRPr lang="en-US"/>
           </a:p>
         </p:txBody>
       </p:sp>
@@ -783,7 +780,7 @@
           <a:p>
             <a:fld id="{449F566A-FC01-4521-96C7-0F319CAC9956}" type="datetimeFigureOut">
               <a:rPr lang="en-US" smtClean="0"/>
-              <a:t>6/27/2017</a:t>
+              <a:t>6/30/2017</a:t>
             </a:fld>
             <a:endParaRPr lang="en-US"/>
           </a:p>
@@ -889,7 +886,6 @@
               <a:rPr lang="en-US"/>
               <a:t>Click to edit Master title style</a:t>
             </a:r>
-            <a:endParaRPr lang="en-US"/>
           </a:p>
         </p:txBody>
       </p:sp>
@@ -1029,7 +1025,7 @@
           <a:p>
             <a:fld id="{449F566A-FC01-4521-96C7-0F319CAC9956}" type="datetimeFigureOut">
               <a:rPr lang="en-US" smtClean="0"/>
-              <a:t>6/27/2017</a:t>
+              <a:t>6/30/2017</a:t>
             </a:fld>
             <a:endParaRPr lang="en-US"/>
           </a:p>
@@ -1126,7 +1122,6 @@
               <a:rPr lang="en-US"/>
               <a:t>Click to edit Master title style</a:t>
             </a:r>
-            <a:endParaRPr lang="en-US"/>
           </a:p>
         </p:txBody>
       </p:sp>
@@ -1183,7 +1178,6 @@
               <a:rPr lang="en-US"/>
               <a:t>Fifth level</a:t>
             </a:r>
-            <a:endParaRPr lang="en-US"/>
           </a:p>
         </p:txBody>
       </p:sp>
@@ -1240,7 +1234,6 @@
               <a:rPr lang="en-US"/>
               <a:t>Fifth level</a:t>
             </a:r>
-            <a:endParaRPr lang="en-US"/>
           </a:p>
         </p:txBody>
       </p:sp>
@@ -1261,7 +1254,7 @@
           <a:p>
             <a:fld id="{449F566A-FC01-4521-96C7-0F319CAC9956}" type="datetimeFigureOut">
               <a:rPr lang="en-US" smtClean="0"/>
-              <a:t>6/27/2017</a:t>
+              <a:t>6/30/2017</a:t>
             </a:fld>
             <a:endParaRPr lang="en-US"/>
           </a:p>
@@ -1363,7 +1356,6 @@
               <a:rPr lang="en-US"/>
               <a:t>Click to edit Master title style</a:t>
             </a:r>
-            <a:endParaRPr lang="en-US"/>
           </a:p>
         </p:txBody>
       </p:sp>
@@ -1485,7 +1477,6 @@
               <a:rPr lang="en-US"/>
               <a:t>Fifth level</a:t>
             </a:r>
-            <a:endParaRPr lang="en-US"/>
           </a:p>
         </p:txBody>
       </p:sp>
@@ -1607,7 +1598,6 @@
               <a:rPr lang="en-US"/>
               <a:t>Fifth level</a:t>
             </a:r>
-            <a:endParaRPr lang="en-US"/>
           </a:p>
         </p:txBody>
       </p:sp>
@@ -1628,7 +1618,7 @@
           <a:p>
             <a:fld id="{449F566A-FC01-4521-96C7-0F319CAC9956}" type="datetimeFigureOut">
               <a:rPr lang="en-US" smtClean="0"/>
-              <a:t>6/27/2017</a:t>
+              <a:t>6/30/2017</a:t>
             </a:fld>
             <a:endParaRPr lang="en-US"/>
           </a:p>
@@ -1725,7 +1715,6 @@
               <a:rPr lang="en-US"/>
               <a:t>Click to edit Master title style</a:t>
             </a:r>
-            <a:endParaRPr lang="en-US"/>
           </a:p>
         </p:txBody>
       </p:sp>
@@ -1746,7 +1735,7 @@
           <a:p>
             <a:fld id="{449F566A-FC01-4521-96C7-0F319CAC9956}" type="datetimeFigureOut">
               <a:rPr lang="en-US" smtClean="0"/>
-              <a:t>6/27/2017</a:t>
+              <a:t>6/30/2017</a:t>
             </a:fld>
             <a:endParaRPr lang="en-US"/>
           </a:p>
@@ -1841,7 +1830,7 @@
           <a:p>
             <a:fld id="{449F566A-FC01-4521-96C7-0F319CAC9956}" type="datetimeFigureOut">
               <a:rPr lang="en-US" smtClean="0"/>
-              <a:t>6/27/2017</a:t>
+              <a:t>6/30/2017</a:t>
             </a:fld>
             <a:endParaRPr lang="en-US"/>
           </a:p>
@@ -1947,7 +1936,6 @@
               <a:rPr lang="en-US"/>
               <a:t>Click to edit Master title style</a:t>
             </a:r>
-            <a:endParaRPr lang="en-US"/>
           </a:p>
         </p:txBody>
       </p:sp>
@@ -2032,7 +2020,6 @@
               <a:rPr lang="en-US"/>
               <a:t>Fifth level</a:t>
             </a:r>
-            <a:endParaRPr lang="en-US"/>
           </a:p>
         </p:txBody>
       </p:sp>
@@ -2118,7 +2105,7 @@
           <a:p>
             <a:fld id="{449F566A-FC01-4521-96C7-0F319CAC9956}" type="datetimeFigureOut">
               <a:rPr lang="en-US" smtClean="0"/>
-              <a:t>6/27/2017</a:t>
+              <a:t>6/30/2017</a:t>
             </a:fld>
             <a:endParaRPr lang="en-US"/>
           </a:p>
@@ -2224,7 +2211,6 @@
               <a:rPr lang="en-US"/>
               <a:t>Click to edit Master title style</a:t>
             </a:r>
-            <a:endParaRPr lang="en-US"/>
           </a:p>
         </p:txBody>
       </p:sp>
@@ -2371,7 +2357,7 @@
           <a:p>
             <a:fld id="{449F566A-FC01-4521-96C7-0F319CAC9956}" type="datetimeFigureOut">
               <a:rPr lang="en-US" smtClean="0"/>
-              <a:t>6/27/2017</a:t>
+              <a:t>6/30/2017</a:t>
             </a:fld>
             <a:endParaRPr lang="en-US"/>
           </a:p>
@@ -2483,7 +2469,6 @@
               <a:rPr lang="en-US"/>
               <a:t>Click to edit Master title style</a:t>
             </a:r>
-            <a:endParaRPr lang="en-US"/>
           </a:p>
         </p:txBody>
       </p:sp>
@@ -2545,7 +2530,6 @@
               <a:rPr lang="en-US"/>
               <a:t>Fifth level</a:t>
             </a:r>
-            <a:endParaRPr lang="en-US"/>
           </a:p>
         </p:txBody>
       </p:sp>
@@ -2584,7 +2568,7 @@
           <a:p>
             <a:fld id="{449F566A-FC01-4521-96C7-0F319CAC9956}" type="datetimeFigureOut">
               <a:rPr lang="en-US" smtClean="0"/>
-              <a:t>6/27/2017</a:t>
+              <a:t>6/30/2017</a:t>
             </a:fld>
             <a:endParaRPr lang="en-US"/>
           </a:p>
@@ -3601,8 +3585,8 @@
           </a:p>
         </p:txBody>
       </p:sp>
-      <mc:AlternateContent xmlns:mc="http://schemas.openxmlformats.org/markup-compatibility/2006">
-        <mc:Choice xmlns:a14="http://schemas.microsoft.com/office/drawing/2010/main" Requires="a14">
+      <mc:AlternateContent xmlns:mc="http://schemas.openxmlformats.org/markup-compatibility/2006" xmlns:a14="http://schemas.microsoft.com/office/drawing/2010/main">
+        <mc:Choice Requires="a14">
           <p:sp>
             <p:nvSpPr>
               <p:cNvPr id="3" name="Content Placeholder 2"/>
@@ -3658,7 +3642,7 @@
             </p:txBody>
           </p:sp>
         </mc:Choice>
-        <mc:Fallback>
+        <mc:Fallback xmlns="">
           <p:sp>
             <p:nvSpPr>
               <p:cNvPr id="3" name="Content Placeholder 2"/>
@@ -4957,7 +4941,6 @@
               <a:rPr lang="en-US" dirty="0"/>
               <a:t>Use relative paths, describe dependencies</a:t>
             </a:r>
-            <a:endParaRPr lang="en-US" dirty="0"/>
           </a:p>
           <a:p>
             <a:r>
@@ -6794,14 +6777,7 @@
                 <a:latin typeface="Courier New" panose="02070309020205020404" pitchFamily="49" charset="0"/>
                 <a:cs typeface="Courier New" panose="02070309020205020404" pitchFamily="49" charset="0"/>
               </a:rPr>
-              <a:t>analysis</a:t>
-            </a:r>
-            <a:r>
-              <a:rPr lang="en-US" dirty="0" err="1">
-                <a:latin typeface="Courier New" panose="02070309020205020404" pitchFamily="49" charset="0"/>
-                <a:cs typeface="Courier New" panose="02070309020205020404" pitchFamily="49" charset="0"/>
-              </a:rPr>
-              <a:t>.R</a:t>
+              <a:t>analysis.R</a:t>
             </a:r>
             <a:endParaRPr lang="en-US" dirty="0">
               <a:latin typeface="Courier New" panose="02070309020205020404" pitchFamily="49" charset="0"/>
@@ -6861,22 +6837,36 @@
               <a:t>If either of those files is newer (modification date) than </a:t>
             </a:r>
             <a:r>
+              <a:rPr lang="en-US" dirty="0" err="1">
+                <a:latin typeface="Courier New" panose="02070309020205020404" pitchFamily="49" charset="0"/>
+                <a:cs typeface="Courier New" panose="02070309020205020404" pitchFamily="49" charset="0"/>
+              </a:rPr>
+              <a:t>outputs.Rdata</a:t>
+            </a:r>
+            <a:r>
               <a:rPr lang="en-US" dirty="0">
                 <a:latin typeface="Courier New" panose="02070309020205020404" pitchFamily="49" charset="0"/>
                 <a:cs typeface="Courier New" panose="02070309020205020404" pitchFamily="49" charset="0"/>
               </a:rPr>
-              <a:t>figure.png </a:t>
+              <a:t> </a:t>
             </a:r>
             <a:r>
               <a:rPr lang="en-US" dirty="0"/>
               <a:t>(or </a:t>
+            </a:r>
+            <a:r>
+              <a:rPr lang="en-US" dirty="0" err="1">
+                <a:latin typeface="Courier New" panose="02070309020205020404" pitchFamily="49" charset="0"/>
+                <a:cs typeface="Courier New" panose="02070309020205020404" pitchFamily="49" charset="0"/>
+              </a:rPr>
+              <a:t>outputs.Rdata</a:t>
             </a:r>
             <a:r>
               <a:rPr lang="en-US" dirty="0">
                 <a:latin typeface="Courier New" panose="02070309020205020404" pitchFamily="49" charset="0"/>
                 <a:cs typeface="Courier New" panose="02070309020205020404" pitchFamily="49" charset="0"/>
               </a:rPr>
-              <a:t>figure.png </a:t>
+              <a:t> </a:t>
             </a:r>
             <a:r>
               <a:rPr lang="en-US" dirty="0"/>
@@ -7228,7 +7218,6 @@
               <a:rPr lang="en-US" dirty="0"/>
               <a:t>Language agnostic</a:t>
             </a:r>
-            <a:endParaRPr lang="en-US" dirty="0"/>
           </a:p>
           <a:p>
             <a:r>
@@ -9279,11 +9268,7 @@
           <a:p>
             <a:r>
               <a:rPr lang="en-US" dirty="0"/>
-              <a:t>Pure: </a:t>
-            </a:r>
-            <a:r>
-              <a:rPr lang="en-US" dirty="0"/>
-              <a:t>Re-do same analysis with the same data</a:t>
+              <a:t>Pure: Re-do same analysis with the same data</a:t>
             </a:r>
           </a:p>
           <a:p>
